--- a/exec/fsm.pptx
+++ b/exec/fsm.pptx
@@ -104,6 +104,11 @@
       </a:defRPr>
     </a:lvl9pPr>
   </p:defaultTextStyle>
+  <p:extLst>
+    <p:ext uri="{EFAFB233-063F-42B5-8137-9DF3F51BA10A}">
+      <p15:sldGuideLst xmlns:p15="http://schemas.microsoft.com/office/powerpoint/2012/main"/>
+    </p:ext>
+  </p:extLst>
 </p:presentation>
 </file>
 
@@ -254,7 +259,7 @@
           <a:p>
             <a:fld id="{57E9A0A7-21BD-44B3-AB95-80647529746D}" type="datetimeFigureOut">
               <a:rPr lang="zh-CN" altLang="en-US" smtClean="0"/>
-              <a:t>2022/5/23</a:t>
+              <a:t>2022/5/24</a:t>
             </a:fld>
             <a:endParaRPr lang="zh-CN" altLang="en-US"/>
           </a:p>
@@ -452,7 +457,7 @@
           <a:p>
             <a:fld id="{57E9A0A7-21BD-44B3-AB95-80647529746D}" type="datetimeFigureOut">
               <a:rPr lang="zh-CN" altLang="en-US" smtClean="0"/>
-              <a:t>2022/5/23</a:t>
+              <a:t>2022/5/24</a:t>
             </a:fld>
             <a:endParaRPr lang="zh-CN" altLang="en-US"/>
           </a:p>
@@ -660,7 +665,7 @@
           <a:p>
             <a:fld id="{57E9A0A7-21BD-44B3-AB95-80647529746D}" type="datetimeFigureOut">
               <a:rPr lang="zh-CN" altLang="en-US" smtClean="0"/>
-              <a:t>2022/5/23</a:t>
+              <a:t>2022/5/24</a:t>
             </a:fld>
             <a:endParaRPr lang="zh-CN" altLang="en-US"/>
           </a:p>
@@ -858,7 +863,7 @@
           <a:p>
             <a:fld id="{57E9A0A7-21BD-44B3-AB95-80647529746D}" type="datetimeFigureOut">
               <a:rPr lang="zh-CN" altLang="en-US" smtClean="0"/>
-              <a:t>2022/5/23</a:t>
+              <a:t>2022/5/24</a:t>
             </a:fld>
             <a:endParaRPr lang="zh-CN" altLang="en-US"/>
           </a:p>
@@ -1133,7 +1138,7 @@
           <a:p>
             <a:fld id="{57E9A0A7-21BD-44B3-AB95-80647529746D}" type="datetimeFigureOut">
               <a:rPr lang="zh-CN" altLang="en-US" smtClean="0"/>
-              <a:t>2022/5/23</a:t>
+              <a:t>2022/5/24</a:t>
             </a:fld>
             <a:endParaRPr lang="zh-CN" altLang="en-US"/>
           </a:p>
@@ -1398,7 +1403,7 @@
           <a:p>
             <a:fld id="{57E9A0A7-21BD-44B3-AB95-80647529746D}" type="datetimeFigureOut">
               <a:rPr lang="zh-CN" altLang="en-US" smtClean="0"/>
-              <a:t>2022/5/23</a:t>
+              <a:t>2022/5/24</a:t>
             </a:fld>
             <a:endParaRPr lang="zh-CN" altLang="en-US"/>
           </a:p>
@@ -1810,7 +1815,7 @@
           <a:p>
             <a:fld id="{57E9A0A7-21BD-44B3-AB95-80647529746D}" type="datetimeFigureOut">
               <a:rPr lang="zh-CN" altLang="en-US" smtClean="0"/>
-              <a:t>2022/5/23</a:t>
+              <a:t>2022/5/24</a:t>
             </a:fld>
             <a:endParaRPr lang="zh-CN" altLang="en-US"/>
           </a:p>
@@ -1951,7 +1956,7 @@
           <a:p>
             <a:fld id="{57E9A0A7-21BD-44B3-AB95-80647529746D}" type="datetimeFigureOut">
               <a:rPr lang="zh-CN" altLang="en-US" smtClean="0"/>
-              <a:t>2022/5/23</a:t>
+              <a:t>2022/5/24</a:t>
             </a:fld>
             <a:endParaRPr lang="zh-CN" altLang="en-US"/>
           </a:p>
@@ -2064,7 +2069,7 @@
           <a:p>
             <a:fld id="{57E9A0A7-21BD-44B3-AB95-80647529746D}" type="datetimeFigureOut">
               <a:rPr lang="zh-CN" altLang="en-US" smtClean="0"/>
-              <a:t>2022/5/23</a:t>
+              <a:t>2022/5/24</a:t>
             </a:fld>
             <a:endParaRPr lang="zh-CN" altLang="en-US"/>
           </a:p>
@@ -2375,7 +2380,7 @@
           <a:p>
             <a:fld id="{57E9A0A7-21BD-44B3-AB95-80647529746D}" type="datetimeFigureOut">
               <a:rPr lang="zh-CN" altLang="en-US" smtClean="0"/>
-              <a:t>2022/5/23</a:t>
+              <a:t>2022/5/24</a:t>
             </a:fld>
             <a:endParaRPr lang="zh-CN" altLang="en-US"/>
           </a:p>
@@ -2663,7 +2668,7 @@
           <a:p>
             <a:fld id="{57E9A0A7-21BD-44B3-AB95-80647529746D}" type="datetimeFigureOut">
               <a:rPr lang="zh-CN" altLang="en-US" smtClean="0"/>
-              <a:t>2022/5/23</a:t>
+              <a:t>2022/5/24</a:t>
             </a:fld>
             <a:endParaRPr lang="zh-CN" altLang="en-US"/>
           </a:p>
@@ -2904,7 +2909,7 @@
           <a:p>
             <a:fld id="{57E9A0A7-21BD-44B3-AB95-80647529746D}" type="datetimeFigureOut">
               <a:rPr lang="zh-CN" altLang="en-US" smtClean="0"/>
-              <a:t>2022/5/23</a:t>
+              <a:t>2022/5/24</a:t>
             </a:fld>
             <a:endParaRPr lang="zh-CN" altLang="en-US"/>
           </a:p>
@@ -3843,18 +3848,18 @@
           <p:cNvCxnSpPr>
             <a:cxnSpLocks/>
             <a:stCxn id="22" idx="4"/>
-            <a:endCxn id="23" idx="5"/>
+            <a:endCxn id="38" idx="4"/>
           </p:cNvCxnSpPr>
           <p:nvPr/>
         </p:nvCxnSpPr>
         <p:spPr>
-          <a:xfrm rot="5400000" flipH="1">
-            <a:off x="2623313" y="3505215"/>
-            <a:ext cx="85058" cy="1939036"/>
+          <a:xfrm rot="5400000" flipH="1" flipV="1">
+            <a:off x="4296797" y="2987697"/>
+            <a:ext cx="868127" cy="2191003"/>
           </a:xfrm>
           <a:prstGeom prst="curvedConnector3">
             <a:avLst>
-              <a:gd name="adj1" fmla="val -268759"/>
+              <a:gd name="adj1" fmla="val 97315"/>
             </a:avLst>
           </a:prstGeom>
           <a:ln>
@@ -4132,7 +4137,7 @@
         </p:nvSpPr>
         <p:spPr>
           <a:xfrm>
-            <a:off x="2188704" y="4591809"/>
+            <a:off x="4202399" y="3558140"/>
             <a:ext cx="955711" cy="261610"/>
           </a:xfrm>
           <a:prstGeom prst="rect">
@@ -4327,19 +4332,19 @@
           </p:cNvPr>
           <p:cNvCxnSpPr>
             <a:cxnSpLocks/>
-            <a:stCxn id="22" idx="5"/>
-            <a:endCxn id="23" idx="4"/>
+            <a:stCxn id="22" idx="4"/>
+            <a:endCxn id="24" idx="5"/>
           </p:cNvCxnSpPr>
           <p:nvPr/>
         </p:nvCxnSpPr>
         <p:spPr>
-          <a:xfrm rot="5400000">
-            <a:off x="2623312" y="3299864"/>
-            <a:ext cx="85060" cy="2349738"/>
+          <a:xfrm rot="5400000" flipH="1">
+            <a:off x="2672077" y="3553980"/>
+            <a:ext cx="855487" cy="1071078"/>
           </a:xfrm>
           <a:prstGeom prst="curvedConnector3">
             <a:avLst>
-              <a:gd name="adj1" fmla="val 751693"/>
+              <a:gd name="adj1" fmla="val -26722"/>
             </a:avLst>
           </a:prstGeom>
           <a:ln>
@@ -4372,18 +4377,20 @@
           </p:cNvPr>
           <p:cNvCxnSpPr>
             <a:cxnSpLocks/>
-            <a:stCxn id="22" idx="6"/>
+            <a:stCxn id="22" idx="0"/>
             <a:endCxn id="17" idx="4"/>
           </p:cNvCxnSpPr>
           <p:nvPr/>
         </p:nvCxnSpPr>
         <p:spPr>
-          <a:xfrm flipV="1">
-            <a:off x="3925770" y="2877514"/>
-            <a:ext cx="496770" cy="1349338"/>
-          </a:xfrm>
-          <a:prstGeom prst="curvedConnector2">
-            <a:avLst/>
+          <a:xfrm rot="5400000" flipH="1" flipV="1">
+            <a:off x="3499487" y="3013388"/>
+            <a:ext cx="1058927" cy="787180"/>
+          </a:xfrm>
+          <a:prstGeom prst="curvedConnector3">
+            <a:avLst>
+              <a:gd name="adj1" fmla="val 50000"/>
+            </a:avLst>
           </a:prstGeom>
           <a:ln>
             <a:tailEnd type="triangle"/>
@@ -4418,7 +4425,7 @@
         </p:nvSpPr>
         <p:spPr>
           <a:xfrm>
-            <a:off x="3840711" y="3248409"/>
+            <a:off x="3683109" y="3208865"/>
             <a:ext cx="971741" cy="261610"/>
           </a:xfrm>
           <a:prstGeom prst="rect">
@@ -4454,7 +4461,7 @@
         </p:nvSpPr>
         <p:spPr>
           <a:xfrm>
-            <a:off x="2415944" y="4927965"/>
+            <a:off x="2859984" y="4603779"/>
             <a:ext cx="466794" cy="261610"/>
           </a:xfrm>
           <a:prstGeom prst="rect">
@@ -5271,6 +5278,266 @@
               <a:t>Token</a:t>
             </a:r>
             <a:endParaRPr lang="zh-CN" altLang="en-US" sz="1100" dirty="0"/>
+          </a:p>
+        </p:txBody>
+      </p:sp>
+      <p:sp>
+        <p:nvSpPr>
+          <p:cNvPr id="38" name="椭圆 37">
+            <a:extLst>
+              <a:ext uri="{FF2B5EF4-FFF2-40B4-BE49-F238E27FC236}">
+                <a16:creationId xmlns:a16="http://schemas.microsoft.com/office/drawing/2014/main" id="{C806872F-550E-7E42-9F78-5E6732574BF4}"/>
+              </a:ext>
+            </a:extLst>
+          </p:cNvPr>
+          <p:cNvSpPr/>
+          <p:nvPr/>
+        </p:nvSpPr>
+        <p:spPr>
+          <a:xfrm>
+            <a:off x="5535952" y="3068314"/>
+            <a:ext cx="580821" cy="580821"/>
+          </a:xfrm>
+          <a:prstGeom prst="ellipse">
+            <a:avLst/>
+          </a:prstGeom>
+        </p:spPr>
+        <p:style>
+          <a:lnRef idx="2">
+            <a:schemeClr val="accent1">
+              <a:shade val="50000"/>
+            </a:schemeClr>
+          </a:lnRef>
+          <a:fillRef idx="1">
+            <a:schemeClr val="accent1"/>
+          </a:fillRef>
+          <a:effectRef idx="0">
+            <a:schemeClr val="accent1"/>
+          </a:effectRef>
+          <a:fontRef idx="minor">
+            <a:schemeClr val="lt1"/>
+          </a:fontRef>
+        </p:style>
+        <p:txBody>
+          <a:bodyPr rtlCol="0" anchor="ctr"/>
+          <a:lstStyle/>
+          <a:p>
+            <a:pPr algn="ctr"/>
+            <a:r>
+              <a:rPr lang="en-US" altLang="zh-CN" sz="900" dirty="0"/>
+              <a:t>S6</a:t>
+            </a:r>
+            <a:endParaRPr lang="zh-CN" altLang="en-US" sz="900" dirty="0"/>
+          </a:p>
+        </p:txBody>
+      </p:sp>
+      <p:cxnSp>
+        <p:nvCxnSpPr>
+          <p:cNvPr id="43" name="连接符: 曲线 120">
+            <a:extLst>
+              <a:ext uri="{FF2B5EF4-FFF2-40B4-BE49-F238E27FC236}">
+                <a16:creationId xmlns:a16="http://schemas.microsoft.com/office/drawing/2014/main" id="{6814E669-5D5F-B148-9238-09D432EF383A}"/>
+              </a:ext>
+            </a:extLst>
+          </p:cNvPr>
+          <p:cNvCxnSpPr>
+            <a:cxnSpLocks/>
+            <a:stCxn id="38" idx="2"/>
+            <a:endCxn id="17" idx="4"/>
+          </p:cNvCxnSpPr>
+          <p:nvPr/>
+        </p:nvCxnSpPr>
+        <p:spPr>
+          <a:xfrm rot="10800000">
+            <a:off x="4422540" y="2877515"/>
+            <a:ext cx="1113412" cy="481211"/>
+          </a:xfrm>
+          <a:prstGeom prst="curvedConnector2">
+            <a:avLst/>
+          </a:prstGeom>
+          <a:ln>
+            <a:tailEnd type="triangle"/>
+          </a:ln>
+        </p:spPr>
+        <p:style>
+          <a:lnRef idx="1">
+            <a:schemeClr val="accent1"/>
+          </a:lnRef>
+          <a:fillRef idx="0">
+            <a:schemeClr val="accent1"/>
+          </a:fillRef>
+          <a:effectRef idx="0">
+            <a:schemeClr val="accent1"/>
+          </a:effectRef>
+          <a:fontRef idx="minor">
+            <a:schemeClr val="tx1"/>
+          </a:fontRef>
+        </p:style>
+      </p:cxnSp>
+      <p:sp>
+        <p:nvSpPr>
+          <p:cNvPr id="51" name="文本框 50">
+            <a:extLst>
+              <a:ext uri="{FF2B5EF4-FFF2-40B4-BE49-F238E27FC236}">
+                <a16:creationId xmlns:a16="http://schemas.microsoft.com/office/drawing/2014/main" id="{37C045CE-177A-3C48-BF47-A9583C4D334A}"/>
+              </a:ext>
+            </a:extLst>
+          </p:cNvPr>
+          <p:cNvSpPr txBox="1"/>
+          <p:nvPr/>
+        </p:nvSpPr>
+        <p:spPr>
+          <a:xfrm>
+            <a:off x="4507058" y="3093428"/>
+            <a:ext cx="971741" cy="261610"/>
+          </a:xfrm>
+          <a:prstGeom prst="rect">
+            <a:avLst/>
+          </a:prstGeom>
+          <a:noFill/>
+        </p:spPr>
+        <p:txBody>
+          <a:bodyPr wrap="none" rtlCol="0">
+            <a:spAutoFit/>
+          </a:bodyPr>
+          <a:lstStyle/>
+          <a:p>
+            <a:r>
+              <a:rPr lang="en-US" altLang="zh-CN" sz="1100" dirty="0"/>
+              <a:t>Empty Token</a:t>
+            </a:r>
+            <a:endParaRPr lang="zh-CN" altLang="en-US" sz="1100" dirty="0"/>
+          </a:p>
+        </p:txBody>
+      </p:sp>
+      <p:cxnSp>
+        <p:nvCxnSpPr>
+          <p:cNvPr id="52" name="连接符: 曲线 38">
+            <a:extLst>
+              <a:ext uri="{FF2B5EF4-FFF2-40B4-BE49-F238E27FC236}">
+                <a16:creationId xmlns:a16="http://schemas.microsoft.com/office/drawing/2014/main" id="{CDDFE485-D888-2E43-92B2-172234FD5C9B}"/>
+              </a:ext>
+            </a:extLst>
+          </p:cNvPr>
+          <p:cNvCxnSpPr>
+            <a:cxnSpLocks/>
+            <a:stCxn id="38" idx="0"/>
+            <a:endCxn id="24" idx="0"/>
+          </p:cNvCxnSpPr>
+          <p:nvPr/>
+        </p:nvCxnSpPr>
+        <p:spPr>
+          <a:xfrm rot="16200000" flipH="1" flipV="1">
+            <a:off x="4043797" y="1383447"/>
+            <a:ext cx="97699" cy="3467432"/>
+          </a:xfrm>
+          <a:prstGeom prst="curvedConnector3">
+            <a:avLst>
+              <a:gd name="adj1" fmla="val -1017322"/>
+            </a:avLst>
+          </a:prstGeom>
+          <a:ln>
+            <a:tailEnd type="triangle"/>
+          </a:ln>
+        </p:spPr>
+        <p:style>
+          <a:lnRef idx="1">
+            <a:schemeClr val="accent1"/>
+          </a:lnRef>
+          <a:fillRef idx="0">
+            <a:schemeClr val="accent1"/>
+          </a:fillRef>
+          <a:effectRef idx="0">
+            <a:schemeClr val="accent1"/>
+          </a:effectRef>
+          <a:fontRef idx="minor">
+            <a:schemeClr val="tx1"/>
+          </a:fontRef>
+        </p:style>
+      </p:cxnSp>
+      <p:sp>
+        <p:nvSpPr>
+          <p:cNvPr id="61" name="文本框 60">
+            <a:extLst>
+              <a:ext uri="{FF2B5EF4-FFF2-40B4-BE49-F238E27FC236}">
+                <a16:creationId xmlns:a16="http://schemas.microsoft.com/office/drawing/2014/main" id="{A85C2060-AB05-E842-BC71-0874EF3E6BA8}"/>
+              </a:ext>
+            </a:extLst>
+          </p:cNvPr>
+          <p:cNvSpPr txBox="1"/>
+          <p:nvPr/>
+        </p:nvSpPr>
+        <p:spPr>
+          <a:xfrm>
+            <a:off x="3840711" y="1946652"/>
+            <a:ext cx="466794" cy="261610"/>
+          </a:xfrm>
+          <a:prstGeom prst="rect">
+            <a:avLst/>
+          </a:prstGeom>
+          <a:noFill/>
+        </p:spPr>
+        <p:txBody>
+          <a:bodyPr wrap="none" rtlCol="0">
+            <a:spAutoFit/>
+          </a:bodyPr>
+          <a:lstStyle/>
+          <a:p>
+            <a:r>
+              <a:rPr lang="en-US" altLang="zh-CN" sz="1100" dirty="0"/>
+              <a:t>Next</a:t>
+            </a:r>
+            <a:endParaRPr lang="zh-CN" altLang="en-US" sz="1100" dirty="0"/>
+          </a:p>
+        </p:txBody>
+      </p:sp>
+      <p:sp>
+        <p:nvSpPr>
+          <p:cNvPr id="3" name="文本框 2">
+            <a:extLst>
+              <a:ext uri="{FF2B5EF4-FFF2-40B4-BE49-F238E27FC236}">
+                <a16:creationId xmlns:a16="http://schemas.microsoft.com/office/drawing/2014/main" id="{3E903216-B42F-2740-AC28-7843472109AF}"/>
+              </a:ext>
+            </a:extLst>
+          </p:cNvPr>
+          <p:cNvSpPr txBox="1"/>
+          <p:nvPr/>
+        </p:nvSpPr>
+        <p:spPr>
+          <a:xfrm>
+            <a:off x="780244" y="6007261"/>
+            <a:ext cx="4722768" cy="646331"/>
+          </a:xfrm>
+          <a:prstGeom prst="rect">
+            <a:avLst/>
+          </a:prstGeom>
+          <a:noFill/>
+        </p:spPr>
+        <p:txBody>
+          <a:bodyPr wrap="none" rtlCol="0">
+            <a:spAutoFit/>
+          </a:bodyPr>
+          <a:lstStyle/>
+          <a:p>
+            <a:r>
+              <a:rPr kumimoji="1" lang="en-US" altLang="zh-CN" dirty="0"/>
+              <a:t>CMD1</a:t>
+            </a:r>
+            <a:r>
+              <a:rPr kumimoji="1" lang="zh-CN" altLang="en-US" dirty="0"/>
+              <a:t> </a:t>
+            </a:r>
+            <a:r>
+              <a:rPr kumimoji="1" lang="en-US" altLang="zh-CN" dirty="0"/>
+              <a:t>–a 100 –b 200 |  CMD2 –x 100</a:t>
+            </a:r>
+          </a:p>
+          <a:p>
+            <a:r>
+              <a:rPr kumimoji="1" lang="en" altLang="zh-CN" dirty="0"/>
+              <a:t>Start&gt;S3&gt;S4&gt;S5&gt;S3&gt;S1&gt;S3&gt;S4&gt;S5&gt;S3&gt;End</a:t>
+            </a:r>
+            <a:endParaRPr kumimoji="1" lang="zh-CN" altLang="en-US" dirty="0"/>
           </a:p>
         </p:txBody>
       </p:sp>

--- a/exec/fsm.pptx
+++ b/exec/fsm.pptx
@@ -3687,18 +3687,20 @@
           </p:cNvPr>
           <p:cNvCxnSpPr>
             <a:cxnSpLocks/>
-            <a:stCxn id="25" idx="6"/>
-            <a:endCxn id="24" idx="2"/>
+            <a:stCxn id="25" idx="4"/>
+            <a:endCxn id="22" idx="4"/>
           </p:cNvCxnSpPr>
           <p:nvPr/>
         </p:nvCxnSpPr>
         <p:spPr>
-          <a:xfrm>
-            <a:off x="1047505" y="3456423"/>
-            <a:ext cx="1021015" cy="1"/>
+          <a:xfrm rot="16200000" flipH="1">
+            <a:off x="1811013" y="2692914"/>
+            <a:ext cx="770429" cy="2878265"/>
           </a:xfrm>
           <a:prstGeom prst="curvedConnector3">
-            <a:avLst/>
+            <a:avLst>
+              <a:gd name="adj1" fmla="val 212237"/>
+            </a:avLst>
           </a:prstGeom>
           <a:ln>
             <a:tailEnd type="triangle"/>
@@ -3814,7 +3816,7 @@
         </p:nvSpPr>
         <p:spPr>
           <a:xfrm>
-            <a:off x="1211020" y="3209213"/>
+            <a:off x="1287401" y="5113977"/>
             <a:ext cx="692818" cy="261610"/>
           </a:xfrm>
           <a:prstGeom prst="rect">
@@ -3971,86 +3973,6 @@
           </a:fontRef>
         </p:style>
       </p:cxnSp>
-      <p:cxnSp>
-        <p:nvCxnSpPr>
-          <p:cNvPr id="42" name="连接符: 曲线 41">
-            <a:extLst>
-              <a:ext uri="{FF2B5EF4-FFF2-40B4-BE49-F238E27FC236}">
-                <a16:creationId xmlns:a16="http://schemas.microsoft.com/office/drawing/2014/main" id="{32250C0D-7E10-9750-232C-C318B2812A4B}"/>
-              </a:ext>
-            </a:extLst>
-          </p:cNvPr>
-          <p:cNvCxnSpPr>
-            <a:cxnSpLocks/>
-            <a:stCxn id="25" idx="4"/>
-            <a:endCxn id="23" idx="0"/>
-          </p:cNvCxnSpPr>
-          <p:nvPr/>
-        </p:nvCxnSpPr>
-        <p:spPr>
-          <a:xfrm rot="16200000" flipH="1">
-            <a:off x="1029230" y="3474698"/>
-            <a:ext cx="189609" cy="733878"/>
-          </a:xfrm>
-          <a:prstGeom prst="curvedConnector3">
-            <a:avLst>
-              <a:gd name="adj1" fmla="val 50000"/>
-            </a:avLst>
-          </a:prstGeom>
-          <a:ln>
-            <a:tailEnd type="triangle"/>
-          </a:ln>
-        </p:spPr>
-        <p:style>
-          <a:lnRef idx="1">
-            <a:schemeClr val="accent1"/>
-          </a:lnRef>
-          <a:fillRef idx="0">
-            <a:schemeClr val="accent1"/>
-          </a:fillRef>
-          <a:effectRef idx="0">
-            <a:schemeClr val="accent1"/>
-          </a:effectRef>
-          <a:fontRef idx="minor">
-            <a:schemeClr val="tx1"/>
-          </a:fontRef>
-        </p:style>
-      </p:cxnSp>
-      <p:sp>
-        <p:nvSpPr>
-          <p:cNvPr id="56" name="文本框 55">
-            <a:extLst>
-              <a:ext uri="{FF2B5EF4-FFF2-40B4-BE49-F238E27FC236}">
-                <a16:creationId xmlns:a16="http://schemas.microsoft.com/office/drawing/2014/main" id="{D4A1AA10-CEF2-AE17-F24F-BC0702D61051}"/>
-              </a:ext>
-            </a:extLst>
-          </p:cNvPr>
-          <p:cNvSpPr txBox="1"/>
-          <p:nvPr/>
-        </p:nvSpPr>
-        <p:spPr>
-          <a:xfrm>
-            <a:off x="58053" y="3731119"/>
-            <a:ext cx="990977" cy="261610"/>
-          </a:xfrm>
-          <a:prstGeom prst="rect">
-            <a:avLst/>
-          </a:prstGeom>
-          <a:noFill/>
-        </p:spPr>
-        <p:txBody>
-          <a:bodyPr wrap="none" rtlCol="0">
-            <a:spAutoFit/>
-          </a:bodyPr>
-          <a:lstStyle/>
-          <a:p>
-            <a:r>
-              <a:rPr lang="en-US" altLang="zh-CN" sz="1100" dirty="0"/>
-              <a:t>Brackets start</a:t>
-            </a:r>
-          </a:p>
-        </p:txBody>
-      </p:sp>
       <p:sp>
         <p:nvSpPr>
           <p:cNvPr id="63" name="文本框 62">
@@ -5538,6 +5460,251 @@
               <a:t>Start&gt;S3&gt;S4&gt;S5&gt;S3&gt;S1&gt;S3&gt;S4&gt;S5&gt;S3&gt;End</a:t>
             </a:r>
             <a:endParaRPr kumimoji="1" lang="zh-CN" altLang="en-US" dirty="0"/>
+          </a:p>
+        </p:txBody>
+      </p:sp>
+      <p:cxnSp>
+        <p:nvCxnSpPr>
+          <p:cNvPr id="48" name="连接符: 曲线 31">
+            <a:extLst>
+              <a:ext uri="{FF2B5EF4-FFF2-40B4-BE49-F238E27FC236}">
+                <a16:creationId xmlns:a16="http://schemas.microsoft.com/office/drawing/2014/main" id="{09548E27-9225-834B-871F-20E92C8C12FF}"/>
+              </a:ext>
+            </a:extLst>
+          </p:cNvPr>
+          <p:cNvCxnSpPr>
+            <a:cxnSpLocks/>
+            <a:stCxn id="25" idx="4"/>
+            <a:endCxn id="23" idx="0"/>
+          </p:cNvCxnSpPr>
+          <p:nvPr/>
+        </p:nvCxnSpPr>
+        <p:spPr>
+          <a:xfrm rot="16200000" flipH="1">
+            <a:off x="1029230" y="3474698"/>
+            <a:ext cx="189609" cy="733878"/>
+          </a:xfrm>
+          <a:prstGeom prst="curvedConnector3">
+            <a:avLst>
+              <a:gd name="adj1" fmla="val 50000"/>
+            </a:avLst>
+          </a:prstGeom>
+          <a:ln>
+            <a:tailEnd type="triangle"/>
+          </a:ln>
+        </p:spPr>
+        <p:style>
+          <a:lnRef idx="1">
+            <a:schemeClr val="accent1"/>
+          </a:lnRef>
+          <a:fillRef idx="0">
+            <a:schemeClr val="accent1"/>
+          </a:fillRef>
+          <a:effectRef idx="0">
+            <a:schemeClr val="accent1"/>
+          </a:effectRef>
+          <a:fontRef idx="minor">
+            <a:schemeClr val="tx1"/>
+          </a:fontRef>
+        </p:style>
+      </p:cxnSp>
+      <p:sp>
+        <p:nvSpPr>
+          <p:cNvPr id="53" name="文本框 52">
+            <a:extLst>
+              <a:ext uri="{FF2B5EF4-FFF2-40B4-BE49-F238E27FC236}">
+                <a16:creationId xmlns:a16="http://schemas.microsoft.com/office/drawing/2014/main" id="{4E8197A5-52A1-184C-B585-4FD5AE2DFFD8}"/>
+              </a:ext>
+            </a:extLst>
+          </p:cNvPr>
+          <p:cNvSpPr txBox="1"/>
+          <p:nvPr/>
+        </p:nvSpPr>
+        <p:spPr>
+          <a:xfrm>
+            <a:off x="686785" y="3657381"/>
+            <a:ext cx="990977" cy="261610"/>
+          </a:xfrm>
+          <a:prstGeom prst="rect">
+            <a:avLst/>
+          </a:prstGeom>
+          <a:noFill/>
+        </p:spPr>
+        <p:txBody>
+          <a:bodyPr wrap="none" rtlCol="0">
+            <a:spAutoFit/>
+          </a:bodyPr>
+          <a:lstStyle/>
+          <a:p>
+            <a:r>
+              <a:rPr lang="en-US" altLang="zh-CN" sz="1100" dirty="0"/>
+              <a:t>Brackets start</a:t>
+            </a:r>
+            <a:endParaRPr lang="zh-CN" altLang="en-US" sz="1100" dirty="0"/>
+          </a:p>
+        </p:txBody>
+      </p:sp>
+      <p:cxnSp>
+        <p:nvCxnSpPr>
+          <p:cNvPr id="42" name="连接符: 曲线 38">
+            <a:extLst>
+              <a:ext uri="{FF2B5EF4-FFF2-40B4-BE49-F238E27FC236}">
+                <a16:creationId xmlns:a16="http://schemas.microsoft.com/office/drawing/2014/main" id="{8A4012A2-2F47-DD4E-B477-5F646CCAE289}"/>
+              </a:ext>
+            </a:extLst>
+          </p:cNvPr>
+          <p:cNvCxnSpPr>
+            <a:cxnSpLocks/>
+            <a:stCxn id="23" idx="6"/>
+            <a:endCxn id="23" idx="4"/>
+          </p:cNvCxnSpPr>
+          <p:nvPr/>
+        </p:nvCxnSpPr>
+        <p:spPr>
+          <a:xfrm flipH="1">
+            <a:off x="1490973" y="4226853"/>
+            <a:ext cx="290410" cy="290410"/>
+          </a:xfrm>
+          <a:prstGeom prst="curvedConnector4">
+            <a:avLst>
+              <a:gd name="adj1" fmla="val -78716"/>
+              <a:gd name="adj2" fmla="val 178716"/>
+            </a:avLst>
+          </a:prstGeom>
+          <a:ln>
+            <a:tailEnd type="triangle"/>
+          </a:ln>
+        </p:spPr>
+        <p:style>
+          <a:lnRef idx="1">
+            <a:schemeClr val="accent1"/>
+          </a:lnRef>
+          <a:fillRef idx="0">
+            <a:schemeClr val="accent1"/>
+          </a:fillRef>
+          <a:effectRef idx="0">
+            <a:schemeClr val="accent1"/>
+          </a:effectRef>
+          <a:fontRef idx="minor">
+            <a:schemeClr val="tx1"/>
+          </a:fontRef>
+        </p:style>
+      </p:cxnSp>
+      <p:sp>
+        <p:nvSpPr>
+          <p:cNvPr id="45" name="文本框 44">
+            <a:extLst>
+              <a:ext uri="{FF2B5EF4-FFF2-40B4-BE49-F238E27FC236}">
+                <a16:creationId xmlns:a16="http://schemas.microsoft.com/office/drawing/2014/main" id="{1316D7CA-7847-AE48-BE63-71D3D59E960A}"/>
+              </a:ext>
+            </a:extLst>
+          </p:cNvPr>
+          <p:cNvSpPr txBox="1"/>
+          <p:nvPr/>
+        </p:nvSpPr>
+        <p:spPr>
+          <a:xfrm>
+            <a:off x="1491244" y="4440683"/>
+            <a:ext cx="990977" cy="261610"/>
+          </a:xfrm>
+          <a:prstGeom prst="rect">
+            <a:avLst/>
+          </a:prstGeom>
+          <a:noFill/>
+        </p:spPr>
+        <p:txBody>
+          <a:bodyPr wrap="none" rtlCol="0">
+            <a:spAutoFit/>
+          </a:bodyPr>
+          <a:lstStyle/>
+          <a:p>
+            <a:r>
+              <a:rPr lang="en-US" altLang="zh-CN" sz="1100" dirty="0"/>
+              <a:t>Brackets start</a:t>
+            </a:r>
+            <a:endParaRPr lang="zh-CN" altLang="en-US" sz="1100" dirty="0"/>
+          </a:p>
+        </p:txBody>
+      </p:sp>
+      <p:cxnSp>
+        <p:nvCxnSpPr>
+          <p:cNvPr id="46" name="连接符: 曲线 38">
+            <a:extLst>
+              <a:ext uri="{FF2B5EF4-FFF2-40B4-BE49-F238E27FC236}">
+                <a16:creationId xmlns:a16="http://schemas.microsoft.com/office/drawing/2014/main" id="{74394324-9158-4347-AE27-45209927644D}"/>
+              </a:ext>
+            </a:extLst>
+          </p:cNvPr>
+          <p:cNvCxnSpPr>
+            <a:cxnSpLocks/>
+            <a:stCxn id="38" idx="4"/>
+            <a:endCxn id="38" idx="6"/>
+          </p:cNvCxnSpPr>
+          <p:nvPr/>
+        </p:nvCxnSpPr>
+        <p:spPr>
+          <a:xfrm rot="5400000" flipH="1" flipV="1">
+            <a:off x="5826363" y="3358725"/>
+            <a:ext cx="290410" cy="290410"/>
+          </a:xfrm>
+          <a:prstGeom prst="curvedConnector4">
+            <a:avLst>
+              <a:gd name="adj1" fmla="val -78716"/>
+              <a:gd name="adj2" fmla="val 178716"/>
+            </a:avLst>
+          </a:prstGeom>
+          <a:ln>
+            <a:tailEnd type="triangle"/>
+          </a:ln>
+        </p:spPr>
+        <p:style>
+          <a:lnRef idx="1">
+            <a:schemeClr val="accent1"/>
+          </a:lnRef>
+          <a:fillRef idx="0">
+            <a:schemeClr val="accent1"/>
+          </a:fillRef>
+          <a:effectRef idx="0">
+            <a:schemeClr val="accent1"/>
+          </a:effectRef>
+          <a:fontRef idx="minor">
+            <a:schemeClr val="tx1"/>
+          </a:fontRef>
+        </p:style>
+      </p:cxnSp>
+      <p:sp>
+        <p:nvSpPr>
+          <p:cNvPr id="49" name="文本框 48">
+            <a:extLst>
+              <a:ext uri="{FF2B5EF4-FFF2-40B4-BE49-F238E27FC236}">
+                <a16:creationId xmlns:a16="http://schemas.microsoft.com/office/drawing/2014/main" id="{361EBD8E-5C0E-5E47-9DA8-7ABEFFA564D5}"/>
+              </a:ext>
+            </a:extLst>
+          </p:cNvPr>
+          <p:cNvSpPr txBox="1"/>
+          <p:nvPr/>
+        </p:nvSpPr>
+        <p:spPr>
+          <a:xfrm>
+            <a:off x="6081620" y="3522222"/>
+            <a:ext cx="955711" cy="261610"/>
+          </a:xfrm>
+          <a:prstGeom prst="rect">
+            <a:avLst/>
+          </a:prstGeom>
+          <a:noFill/>
+        </p:spPr>
+        <p:txBody>
+          <a:bodyPr wrap="none" rtlCol="0">
+            <a:spAutoFit/>
+          </a:bodyPr>
+          <a:lstStyle/>
+          <a:p>
+            <a:r>
+              <a:rPr lang="en-US" altLang="zh-CN" sz="1100" dirty="0"/>
+              <a:t>Brackets end</a:t>
+            </a:r>
+            <a:endParaRPr lang="zh-CN" altLang="en-US" sz="1100" dirty="0"/>
           </a:p>
         </p:txBody>
       </p:sp>

--- a/exec/fsm.pptx
+++ b/exec/fsm.pptx
@@ -3703,6 +3703,9 @@
             </a:avLst>
           </a:prstGeom>
           <a:ln>
+            <a:solidFill>
+              <a:srgbClr val="FF0000"/>
+            </a:solidFill>
             <a:tailEnd type="triangle"/>
           </a:ln>
         </p:spPr>
@@ -3831,10 +3834,10 @@
           <a:lstStyle/>
           <a:p>
             <a:r>
-              <a:rPr lang="en-US" altLang="zh-CN" sz="1100" dirty="0"/>
+              <a:rPr lang="en-US" altLang="zh-CN" sz="1100" strike="sngStrike" dirty="0"/>
               <a:t>Protocol</a:t>
             </a:r>
-            <a:endParaRPr lang="zh-CN" altLang="en-US" sz="1100" dirty="0"/>
+            <a:endParaRPr lang="zh-CN" altLang="en-US" sz="1100" strike="sngStrike" dirty="0"/>
           </a:p>
         </p:txBody>
       </p:sp>
@@ -4420,7 +4423,7 @@
           <p:nvPr>
             <p:extLst>
               <p:ext uri="{D42A27DB-BD31-4B8C-83A1-F6EECF244321}">
-                <p14:modId xmlns:p14="http://schemas.microsoft.com/office/powerpoint/2010/main" val="1430535978"/>
+                <p14:modId xmlns:p14="http://schemas.microsoft.com/office/powerpoint/2010/main" val="552094928"/>
               </p:ext>
             </p:extLst>
           </p:nvPr>
@@ -4528,10 +4531,10 @@
                     <a:lstStyle/>
                     <a:p>
                       <a:r>
-                        <a:rPr lang="en-US" altLang="zh-CN" dirty="0"/>
+                        <a:rPr lang="en-US" altLang="zh-CN" strike="sngStrike" dirty="0"/>
                         <a:t>Protocol</a:t>
                       </a:r>
-                      <a:endParaRPr lang="zh-CN" altLang="en-US" dirty="0"/>
+                      <a:endParaRPr lang="zh-CN" altLang="en-US" strike="sngStrike" dirty="0"/>
                     </a:p>
                   </a:txBody>
                   <a:tcPr/>

--- a/exec/fsm.pptx
+++ b/exec/fsm.pptx
@@ -259,7 +259,7 @@
           <a:p>
             <a:fld id="{57E9A0A7-21BD-44B3-AB95-80647529746D}" type="datetimeFigureOut">
               <a:rPr lang="zh-CN" altLang="en-US" smtClean="0"/>
-              <a:t>2022/5/24</a:t>
+              <a:t>2022/5/29</a:t>
             </a:fld>
             <a:endParaRPr lang="zh-CN" altLang="en-US"/>
           </a:p>
@@ -457,7 +457,7 @@
           <a:p>
             <a:fld id="{57E9A0A7-21BD-44B3-AB95-80647529746D}" type="datetimeFigureOut">
               <a:rPr lang="zh-CN" altLang="en-US" smtClean="0"/>
-              <a:t>2022/5/24</a:t>
+              <a:t>2022/5/29</a:t>
             </a:fld>
             <a:endParaRPr lang="zh-CN" altLang="en-US"/>
           </a:p>
@@ -665,7 +665,7 @@
           <a:p>
             <a:fld id="{57E9A0A7-21BD-44B3-AB95-80647529746D}" type="datetimeFigureOut">
               <a:rPr lang="zh-CN" altLang="en-US" smtClean="0"/>
-              <a:t>2022/5/24</a:t>
+              <a:t>2022/5/29</a:t>
             </a:fld>
             <a:endParaRPr lang="zh-CN" altLang="en-US"/>
           </a:p>
@@ -863,7 +863,7 @@
           <a:p>
             <a:fld id="{57E9A0A7-21BD-44B3-AB95-80647529746D}" type="datetimeFigureOut">
               <a:rPr lang="zh-CN" altLang="en-US" smtClean="0"/>
-              <a:t>2022/5/24</a:t>
+              <a:t>2022/5/29</a:t>
             </a:fld>
             <a:endParaRPr lang="zh-CN" altLang="en-US"/>
           </a:p>
@@ -1138,7 +1138,7 @@
           <a:p>
             <a:fld id="{57E9A0A7-21BD-44B3-AB95-80647529746D}" type="datetimeFigureOut">
               <a:rPr lang="zh-CN" altLang="en-US" smtClean="0"/>
-              <a:t>2022/5/24</a:t>
+              <a:t>2022/5/29</a:t>
             </a:fld>
             <a:endParaRPr lang="zh-CN" altLang="en-US"/>
           </a:p>
@@ -1403,7 +1403,7 @@
           <a:p>
             <a:fld id="{57E9A0A7-21BD-44B3-AB95-80647529746D}" type="datetimeFigureOut">
               <a:rPr lang="zh-CN" altLang="en-US" smtClean="0"/>
-              <a:t>2022/5/24</a:t>
+              <a:t>2022/5/29</a:t>
             </a:fld>
             <a:endParaRPr lang="zh-CN" altLang="en-US"/>
           </a:p>
@@ -1815,7 +1815,7 @@
           <a:p>
             <a:fld id="{57E9A0A7-21BD-44B3-AB95-80647529746D}" type="datetimeFigureOut">
               <a:rPr lang="zh-CN" altLang="en-US" smtClean="0"/>
-              <a:t>2022/5/24</a:t>
+              <a:t>2022/5/29</a:t>
             </a:fld>
             <a:endParaRPr lang="zh-CN" altLang="en-US"/>
           </a:p>
@@ -1956,7 +1956,7 @@
           <a:p>
             <a:fld id="{57E9A0A7-21BD-44B3-AB95-80647529746D}" type="datetimeFigureOut">
               <a:rPr lang="zh-CN" altLang="en-US" smtClean="0"/>
-              <a:t>2022/5/24</a:t>
+              <a:t>2022/5/29</a:t>
             </a:fld>
             <a:endParaRPr lang="zh-CN" altLang="en-US"/>
           </a:p>
@@ -2069,7 +2069,7 @@
           <a:p>
             <a:fld id="{57E9A0A7-21BD-44B3-AB95-80647529746D}" type="datetimeFigureOut">
               <a:rPr lang="zh-CN" altLang="en-US" smtClean="0"/>
-              <a:t>2022/5/24</a:t>
+              <a:t>2022/5/29</a:t>
             </a:fld>
             <a:endParaRPr lang="zh-CN" altLang="en-US"/>
           </a:p>
@@ -2380,7 +2380,7 @@
           <a:p>
             <a:fld id="{57E9A0A7-21BD-44B3-AB95-80647529746D}" type="datetimeFigureOut">
               <a:rPr lang="zh-CN" altLang="en-US" smtClean="0"/>
-              <a:t>2022/5/24</a:t>
+              <a:t>2022/5/29</a:t>
             </a:fld>
             <a:endParaRPr lang="zh-CN" altLang="en-US"/>
           </a:p>
@@ -2668,7 +2668,7 @@
           <a:p>
             <a:fld id="{57E9A0A7-21BD-44B3-AB95-80647529746D}" type="datetimeFigureOut">
               <a:rPr lang="zh-CN" altLang="en-US" smtClean="0"/>
-              <a:t>2022/5/24</a:t>
+              <a:t>2022/5/29</a:t>
             </a:fld>
             <a:endParaRPr lang="zh-CN" altLang="en-US"/>
           </a:p>
@@ -2909,7 +2909,7 @@
           <a:p>
             <a:fld id="{57E9A0A7-21BD-44B3-AB95-80647529746D}" type="datetimeFigureOut">
               <a:rPr lang="zh-CN" altLang="en-US" smtClean="0"/>
-              <a:t>2022/5/24</a:t>
+              <a:t>2022/5/29</a:t>
             </a:fld>
             <a:endParaRPr lang="zh-CN" altLang="en-US"/>
           </a:p>
@@ -5711,6 +5711,124 @@
           </a:p>
         </p:txBody>
       </p:sp>
+      <p:cxnSp>
+        <p:nvCxnSpPr>
+          <p:cNvPr id="4" name="连接符: 曲线 3">
+            <a:extLst>
+              <a:ext uri="{FF2B5EF4-FFF2-40B4-BE49-F238E27FC236}">
+                <a16:creationId xmlns:a16="http://schemas.microsoft.com/office/drawing/2014/main" id="{A5DC7844-FEC8-BADE-0676-2962508A5C2D}"/>
+              </a:ext>
+            </a:extLst>
+          </p:cNvPr>
+          <p:cNvCxnSpPr>
+            <a:cxnSpLocks/>
+            <a:stCxn id="22" idx="4"/>
+            <a:endCxn id="25" idx="2"/>
+          </p:cNvCxnSpPr>
+          <p:nvPr/>
+        </p:nvCxnSpPr>
+        <p:spPr>
+          <a:xfrm rot="5400000" flipH="1">
+            <a:off x="1520602" y="2402505"/>
+            <a:ext cx="1060839" cy="3168676"/>
+          </a:xfrm>
+          <a:prstGeom prst="curvedConnector4">
+            <a:avLst>
+              <a:gd name="adj1" fmla="val -107745"/>
+              <a:gd name="adj2" fmla="val 107214"/>
+            </a:avLst>
+          </a:prstGeom>
+          <a:ln>
+            <a:tailEnd type="triangle"/>
+          </a:ln>
+        </p:spPr>
+        <p:style>
+          <a:lnRef idx="1">
+            <a:schemeClr val="accent1"/>
+          </a:lnRef>
+          <a:fillRef idx="0">
+            <a:schemeClr val="accent1"/>
+          </a:fillRef>
+          <a:effectRef idx="0">
+            <a:schemeClr val="accent1"/>
+          </a:effectRef>
+          <a:fontRef idx="minor">
+            <a:schemeClr val="tx1"/>
+          </a:fontRef>
+        </p:style>
+      </p:cxnSp>
+      <p:sp>
+        <p:nvSpPr>
+          <p:cNvPr id="54" name="文本框 53">
+            <a:extLst>
+              <a:ext uri="{FF2B5EF4-FFF2-40B4-BE49-F238E27FC236}">
+                <a16:creationId xmlns:a16="http://schemas.microsoft.com/office/drawing/2014/main" id="{805EA594-EF1D-09EF-1BCB-CD91F7D41B1F}"/>
+              </a:ext>
+            </a:extLst>
+          </p:cNvPr>
+          <p:cNvSpPr txBox="1"/>
+          <p:nvPr/>
+        </p:nvSpPr>
+        <p:spPr>
+          <a:xfrm>
+            <a:off x="172471" y="4977989"/>
+            <a:ext cx="611065" cy="261610"/>
+          </a:xfrm>
+          <a:prstGeom prst="rect">
+            <a:avLst/>
+          </a:prstGeom>
+          <a:noFill/>
+        </p:spPr>
+        <p:txBody>
+          <a:bodyPr wrap="none" rtlCol="0">
+            <a:spAutoFit/>
+          </a:bodyPr>
+          <a:lstStyle/>
+          <a:p>
+            <a:r>
+              <a:rPr lang="en-US" altLang="zh-CN" sz="1100" dirty="0"/>
+              <a:t>Service</a:t>
+            </a:r>
+            <a:endParaRPr lang="zh-CN" altLang="en-US" sz="1100" dirty="0"/>
+          </a:p>
+        </p:txBody>
+      </p:sp>
+      <p:sp>
+        <p:nvSpPr>
+          <p:cNvPr id="15" name="文本框 14">
+            <a:extLst>
+              <a:ext uri="{FF2B5EF4-FFF2-40B4-BE49-F238E27FC236}">
+                <a16:creationId xmlns:a16="http://schemas.microsoft.com/office/drawing/2014/main" id="{D1272DEA-3D3C-159B-3FCD-BA88AE6D7CF5}"/>
+              </a:ext>
+            </a:extLst>
+          </p:cNvPr>
+          <p:cNvSpPr txBox="1"/>
+          <p:nvPr/>
+        </p:nvSpPr>
+        <p:spPr>
+          <a:xfrm>
+            <a:off x="22610" y="2456264"/>
+            <a:ext cx="2268570" cy="369332"/>
+          </a:xfrm>
+          <a:prstGeom prst="rect">
+            <a:avLst/>
+          </a:prstGeom>
+          <a:noFill/>
+        </p:spPr>
+        <p:txBody>
+          <a:bodyPr wrap="none" rtlCol="0">
+            <a:spAutoFit/>
+          </a:bodyPr>
+          <a:lstStyle/>
+          <a:p>
+            <a:r>
+              <a:rPr lang="en-US" altLang="zh-CN" dirty="0"/>
+              <a:t>Service only has one!</a:t>
+            </a:r>
+            <a:endParaRPr lang="zh-CN" altLang="en-US" dirty="0"/>
+          </a:p>
+        </p:txBody>
+      </p:sp>
     </p:spTree>
     <p:extLst>
       <p:ext uri="{BB962C8B-B14F-4D97-AF65-F5344CB8AC3E}">

--- a/exec/fsm.pptx
+++ b/exec/fsm.pptx
@@ -259,7 +259,7 @@
           <a:p>
             <a:fld id="{57E9A0A7-21BD-44B3-AB95-80647529746D}" type="datetimeFigureOut">
               <a:rPr lang="zh-CN" altLang="en-US" smtClean="0"/>
-              <a:t>2022/5/29</a:t>
+              <a:t>2022/5/31</a:t>
             </a:fld>
             <a:endParaRPr lang="zh-CN" altLang="en-US"/>
           </a:p>
@@ -457,7 +457,7 @@
           <a:p>
             <a:fld id="{57E9A0A7-21BD-44B3-AB95-80647529746D}" type="datetimeFigureOut">
               <a:rPr lang="zh-CN" altLang="en-US" smtClean="0"/>
-              <a:t>2022/5/29</a:t>
+              <a:t>2022/5/31</a:t>
             </a:fld>
             <a:endParaRPr lang="zh-CN" altLang="en-US"/>
           </a:p>
@@ -665,7 +665,7 @@
           <a:p>
             <a:fld id="{57E9A0A7-21BD-44B3-AB95-80647529746D}" type="datetimeFigureOut">
               <a:rPr lang="zh-CN" altLang="en-US" smtClean="0"/>
-              <a:t>2022/5/29</a:t>
+              <a:t>2022/5/31</a:t>
             </a:fld>
             <a:endParaRPr lang="zh-CN" altLang="en-US"/>
           </a:p>
@@ -863,7 +863,7 @@
           <a:p>
             <a:fld id="{57E9A0A7-21BD-44B3-AB95-80647529746D}" type="datetimeFigureOut">
               <a:rPr lang="zh-CN" altLang="en-US" smtClean="0"/>
-              <a:t>2022/5/29</a:t>
+              <a:t>2022/5/31</a:t>
             </a:fld>
             <a:endParaRPr lang="zh-CN" altLang="en-US"/>
           </a:p>
@@ -1138,7 +1138,7 @@
           <a:p>
             <a:fld id="{57E9A0A7-21BD-44B3-AB95-80647529746D}" type="datetimeFigureOut">
               <a:rPr lang="zh-CN" altLang="en-US" smtClean="0"/>
-              <a:t>2022/5/29</a:t>
+              <a:t>2022/5/31</a:t>
             </a:fld>
             <a:endParaRPr lang="zh-CN" altLang="en-US"/>
           </a:p>
@@ -1403,7 +1403,7 @@
           <a:p>
             <a:fld id="{57E9A0A7-21BD-44B3-AB95-80647529746D}" type="datetimeFigureOut">
               <a:rPr lang="zh-CN" altLang="en-US" smtClean="0"/>
-              <a:t>2022/5/29</a:t>
+              <a:t>2022/5/31</a:t>
             </a:fld>
             <a:endParaRPr lang="zh-CN" altLang="en-US"/>
           </a:p>
@@ -1815,7 +1815,7 @@
           <a:p>
             <a:fld id="{57E9A0A7-21BD-44B3-AB95-80647529746D}" type="datetimeFigureOut">
               <a:rPr lang="zh-CN" altLang="en-US" smtClean="0"/>
-              <a:t>2022/5/29</a:t>
+              <a:t>2022/5/31</a:t>
             </a:fld>
             <a:endParaRPr lang="zh-CN" altLang="en-US"/>
           </a:p>
@@ -1956,7 +1956,7 @@
           <a:p>
             <a:fld id="{57E9A0A7-21BD-44B3-AB95-80647529746D}" type="datetimeFigureOut">
               <a:rPr lang="zh-CN" altLang="en-US" smtClean="0"/>
-              <a:t>2022/5/29</a:t>
+              <a:t>2022/5/31</a:t>
             </a:fld>
             <a:endParaRPr lang="zh-CN" altLang="en-US"/>
           </a:p>
@@ -2069,7 +2069,7 @@
           <a:p>
             <a:fld id="{57E9A0A7-21BD-44B3-AB95-80647529746D}" type="datetimeFigureOut">
               <a:rPr lang="zh-CN" altLang="en-US" smtClean="0"/>
-              <a:t>2022/5/29</a:t>
+              <a:t>2022/5/31</a:t>
             </a:fld>
             <a:endParaRPr lang="zh-CN" altLang="en-US"/>
           </a:p>
@@ -2380,7 +2380,7 @@
           <a:p>
             <a:fld id="{57E9A0A7-21BD-44B3-AB95-80647529746D}" type="datetimeFigureOut">
               <a:rPr lang="zh-CN" altLang="en-US" smtClean="0"/>
-              <a:t>2022/5/29</a:t>
+              <a:t>2022/5/31</a:t>
             </a:fld>
             <a:endParaRPr lang="zh-CN" altLang="en-US"/>
           </a:p>
@@ -2668,7 +2668,7 @@
           <a:p>
             <a:fld id="{57E9A0A7-21BD-44B3-AB95-80647529746D}" type="datetimeFigureOut">
               <a:rPr lang="zh-CN" altLang="en-US" smtClean="0"/>
-              <a:t>2022/5/29</a:t>
+              <a:t>2022/5/31</a:t>
             </a:fld>
             <a:endParaRPr lang="zh-CN" altLang="en-US"/>
           </a:p>
@@ -2909,7 +2909,7 @@
           <a:p>
             <a:fld id="{57E9A0A7-21BD-44B3-AB95-80647529746D}" type="datetimeFigureOut">
               <a:rPr lang="zh-CN" altLang="en-US" smtClean="0"/>
-              <a:t>2022/5/29</a:t>
+              <a:t>2022/5/31</a:t>
             </a:fld>
             <a:endParaRPr lang="zh-CN" altLang="en-US"/>
           </a:p>
@@ -5829,6 +5829,171 @@
           </a:p>
         </p:txBody>
       </p:sp>
+      <p:cxnSp>
+        <p:nvCxnSpPr>
+          <p:cNvPr id="50" name="连接符: 曲线 26">
+            <a:extLst>
+              <a:ext uri="{FF2B5EF4-FFF2-40B4-BE49-F238E27FC236}">
+                <a16:creationId xmlns:a16="http://schemas.microsoft.com/office/drawing/2014/main" id="{4FD62E6C-558F-F546-9A45-2093CF4558F3}"/>
+              </a:ext>
+            </a:extLst>
+          </p:cNvPr>
+          <p:cNvCxnSpPr>
+            <a:cxnSpLocks/>
+            <a:stCxn id="38" idx="4"/>
+            <a:endCxn id="21" idx="0"/>
+          </p:cNvCxnSpPr>
+          <p:nvPr/>
+        </p:nvCxnSpPr>
+        <p:spPr>
+          <a:xfrm rot="5400000">
+            <a:off x="5463861" y="3569963"/>
+            <a:ext cx="283330" cy="441674"/>
+          </a:xfrm>
+          <a:prstGeom prst="curvedConnector3">
+            <a:avLst>
+              <a:gd name="adj1" fmla="val 50000"/>
+            </a:avLst>
+          </a:prstGeom>
+          <a:ln>
+            <a:solidFill>
+              <a:srgbClr val="FF0000"/>
+            </a:solidFill>
+            <a:tailEnd type="triangle"/>
+          </a:ln>
+        </p:spPr>
+        <p:style>
+          <a:lnRef idx="1">
+            <a:schemeClr val="accent1"/>
+          </a:lnRef>
+          <a:fillRef idx="0">
+            <a:schemeClr val="accent1"/>
+          </a:fillRef>
+          <a:effectRef idx="0">
+            <a:schemeClr val="accent1"/>
+          </a:effectRef>
+          <a:fontRef idx="minor">
+            <a:schemeClr val="tx1"/>
+          </a:fontRef>
+        </p:style>
+      </p:cxnSp>
+      <p:sp>
+        <p:nvSpPr>
+          <p:cNvPr id="55" name="文本框 54">
+            <a:extLst>
+              <a:ext uri="{FF2B5EF4-FFF2-40B4-BE49-F238E27FC236}">
+                <a16:creationId xmlns:a16="http://schemas.microsoft.com/office/drawing/2014/main" id="{FAC785CA-0D12-7346-AF53-18A00BCB0245}"/>
+              </a:ext>
+            </a:extLst>
+          </p:cNvPr>
+          <p:cNvSpPr txBox="1"/>
+          <p:nvPr/>
+        </p:nvSpPr>
+        <p:spPr>
+          <a:xfrm>
+            <a:off x="4946609" y="3685255"/>
+            <a:ext cx="1112805" cy="261610"/>
+          </a:xfrm>
+          <a:prstGeom prst="rect">
+            <a:avLst/>
+          </a:prstGeom>
+          <a:noFill/>
+        </p:spPr>
+        <p:txBody>
+          <a:bodyPr wrap="none" rtlCol="0">
+            <a:spAutoFit/>
+          </a:bodyPr>
+          <a:lstStyle/>
+          <a:p>
+            <a:r>
+              <a:rPr lang="en-US" altLang="zh-CN" sz="1100" dirty="0"/>
+              <a:t>Argument Start</a:t>
+            </a:r>
+            <a:endParaRPr lang="zh-CN" altLang="en-US" sz="1100" dirty="0"/>
+          </a:p>
+        </p:txBody>
+      </p:sp>
+      <p:cxnSp>
+        <p:nvCxnSpPr>
+          <p:cNvPr id="56" name="连接符: 曲线 73">
+            <a:extLst>
+              <a:ext uri="{FF2B5EF4-FFF2-40B4-BE49-F238E27FC236}">
+                <a16:creationId xmlns:a16="http://schemas.microsoft.com/office/drawing/2014/main" id="{1114BA36-D75D-9B44-8A4A-D6686CBD937B}"/>
+              </a:ext>
+            </a:extLst>
+          </p:cNvPr>
+          <p:cNvCxnSpPr>
+            <a:cxnSpLocks/>
+            <a:stCxn id="19" idx="0"/>
+            <a:endCxn id="38" idx="7"/>
+          </p:cNvCxnSpPr>
+          <p:nvPr/>
+        </p:nvCxnSpPr>
+        <p:spPr>
+          <a:xfrm rot="16200000" flipV="1">
+            <a:off x="6103225" y="3081862"/>
+            <a:ext cx="779092" cy="922113"/>
+          </a:xfrm>
+          <a:prstGeom prst="curvedConnector3">
+            <a:avLst>
+              <a:gd name="adj1" fmla="val 140260"/>
+            </a:avLst>
+          </a:prstGeom>
+          <a:ln>
+            <a:tailEnd type="triangle"/>
+          </a:ln>
+        </p:spPr>
+        <p:style>
+          <a:lnRef idx="1">
+            <a:schemeClr val="accent1"/>
+          </a:lnRef>
+          <a:fillRef idx="0">
+            <a:schemeClr val="accent1"/>
+          </a:fillRef>
+          <a:effectRef idx="0">
+            <a:schemeClr val="accent1"/>
+          </a:effectRef>
+          <a:fontRef idx="minor">
+            <a:schemeClr val="tx1"/>
+          </a:fontRef>
+        </p:style>
+      </p:cxnSp>
+      <p:sp>
+        <p:nvSpPr>
+          <p:cNvPr id="57" name="文本框 56">
+            <a:extLst>
+              <a:ext uri="{FF2B5EF4-FFF2-40B4-BE49-F238E27FC236}">
+                <a16:creationId xmlns:a16="http://schemas.microsoft.com/office/drawing/2014/main" id="{77EBC6F7-FFA3-304E-82AB-E1536E1FD429}"/>
+              </a:ext>
+            </a:extLst>
+          </p:cNvPr>
+          <p:cNvSpPr txBox="1"/>
+          <p:nvPr/>
+        </p:nvSpPr>
+        <p:spPr>
+          <a:xfrm>
+            <a:off x="6545675" y="3036562"/>
+            <a:ext cx="553357" cy="261610"/>
+          </a:xfrm>
+          <a:prstGeom prst="rect">
+            <a:avLst/>
+          </a:prstGeom>
+          <a:noFill/>
+        </p:spPr>
+        <p:txBody>
+          <a:bodyPr wrap="none" rtlCol="0">
+            <a:spAutoFit/>
+          </a:bodyPr>
+          <a:lstStyle/>
+          <a:p>
+            <a:r>
+              <a:rPr lang="en-US" altLang="zh-CN" sz="1100" dirty="0"/>
+              <a:t>Token</a:t>
+            </a:r>
+            <a:endParaRPr lang="zh-CN" altLang="en-US" sz="1100" dirty="0"/>
+          </a:p>
+        </p:txBody>
+      </p:sp>
     </p:spTree>
     <p:extLst>
       <p:ext uri="{BB962C8B-B14F-4D97-AF65-F5344CB8AC3E}">

--- a/exec/fsm.pptx
+++ b/exec/fsm.pptx
@@ -259,7 +259,7 @@
           <a:p>
             <a:fld id="{57E9A0A7-21BD-44B3-AB95-80647529746D}" type="datetimeFigureOut">
               <a:rPr lang="zh-CN" altLang="en-US" smtClean="0"/>
-              <a:t>2022/5/31</a:t>
+              <a:t>2022/6/17</a:t>
             </a:fld>
             <a:endParaRPr lang="zh-CN" altLang="en-US"/>
           </a:p>
@@ -457,7 +457,7 @@
           <a:p>
             <a:fld id="{57E9A0A7-21BD-44B3-AB95-80647529746D}" type="datetimeFigureOut">
               <a:rPr lang="zh-CN" altLang="en-US" smtClean="0"/>
-              <a:t>2022/5/31</a:t>
+              <a:t>2022/6/17</a:t>
             </a:fld>
             <a:endParaRPr lang="zh-CN" altLang="en-US"/>
           </a:p>
@@ -665,7 +665,7 @@
           <a:p>
             <a:fld id="{57E9A0A7-21BD-44B3-AB95-80647529746D}" type="datetimeFigureOut">
               <a:rPr lang="zh-CN" altLang="en-US" smtClean="0"/>
-              <a:t>2022/5/31</a:t>
+              <a:t>2022/6/17</a:t>
             </a:fld>
             <a:endParaRPr lang="zh-CN" altLang="en-US"/>
           </a:p>
@@ -863,7 +863,7 @@
           <a:p>
             <a:fld id="{57E9A0A7-21BD-44B3-AB95-80647529746D}" type="datetimeFigureOut">
               <a:rPr lang="zh-CN" altLang="en-US" smtClean="0"/>
-              <a:t>2022/5/31</a:t>
+              <a:t>2022/6/17</a:t>
             </a:fld>
             <a:endParaRPr lang="zh-CN" altLang="en-US"/>
           </a:p>
@@ -1138,7 +1138,7 @@
           <a:p>
             <a:fld id="{57E9A0A7-21BD-44B3-AB95-80647529746D}" type="datetimeFigureOut">
               <a:rPr lang="zh-CN" altLang="en-US" smtClean="0"/>
-              <a:t>2022/5/31</a:t>
+              <a:t>2022/6/17</a:t>
             </a:fld>
             <a:endParaRPr lang="zh-CN" altLang="en-US"/>
           </a:p>
@@ -1403,7 +1403,7 @@
           <a:p>
             <a:fld id="{57E9A0A7-21BD-44B3-AB95-80647529746D}" type="datetimeFigureOut">
               <a:rPr lang="zh-CN" altLang="en-US" smtClean="0"/>
-              <a:t>2022/5/31</a:t>
+              <a:t>2022/6/17</a:t>
             </a:fld>
             <a:endParaRPr lang="zh-CN" altLang="en-US"/>
           </a:p>
@@ -1815,7 +1815,7 @@
           <a:p>
             <a:fld id="{57E9A0A7-21BD-44B3-AB95-80647529746D}" type="datetimeFigureOut">
               <a:rPr lang="zh-CN" altLang="en-US" smtClean="0"/>
-              <a:t>2022/5/31</a:t>
+              <a:t>2022/6/17</a:t>
             </a:fld>
             <a:endParaRPr lang="zh-CN" altLang="en-US"/>
           </a:p>
@@ -1956,7 +1956,7 @@
           <a:p>
             <a:fld id="{57E9A0A7-21BD-44B3-AB95-80647529746D}" type="datetimeFigureOut">
               <a:rPr lang="zh-CN" altLang="en-US" smtClean="0"/>
-              <a:t>2022/5/31</a:t>
+              <a:t>2022/6/17</a:t>
             </a:fld>
             <a:endParaRPr lang="zh-CN" altLang="en-US"/>
           </a:p>
@@ -2069,7 +2069,7 @@
           <a:p>
             <a:fld id="{57E9A0A7-21BD-44B3-AB95-80647529746D}" type="datetimeFigureOut">
               <a:rPr lang="zh-CN" altLang="en-US" smtClean="0"/>
-              <a:t>2022/5/31</a:t>
+              <a:t>2022/6/17</a:t>
             </a:fld>
             <a:endParaRPr lang="zh-CN" altLang="en-US"/>
           </a:p>
@@ -2380,7 +2380,7 @@
           <a:p>
             <a:fld id="{57E9A0A7-21BD-44B3-AB95-80647529746D}" type="datetimeFigureOut">
               <a:rPr lang="zh-CN" altLang="en-US" smtClean="0"/>
-              <a:t>2022/5/31</a:t>
+              <a:t>2022/6/17</a:t>
             </a:fld>
             <a:endParaRPr lang="zh-CN" altLang="en-US"/>
           </a:p>
@@ -2668,7 +2668,7 @@
           <a:p>
             <a:fld id="{57E9A0A7-21BD-44B3-AB95-80647529746D}" type="datetimeFigureOut">
               <a:rPr lang="zh-CN" altLang="en-US" smtClean="0"/>
-              <a:t>2022/5/31</a:t>
+              <a:t>2022/6/17</a:t>
             </a:fld>
             <a:endParaRPr lang="zh-CN" altLang="en-US"/>
           </a:p>
@@ -2909,7 +2909,7 @@
           <a:p>
             <a:fld id="{57E9A0A7-21BD-44B3-AB95-80647529746D}" type="datetimeFigureOut">
               <a:rPr lang="zh-CN" altLang="en-US" smtClean="0"/>
-              <a:t>2022/5/31</a:t>
+              <a:t>2022/6/17</a:t>
             </a:fld>
             <a:endParaRPr lang="zh-CN" altLang="en-US"/>
           </a:p>
@@ -5994,6 +5994,87 @@
           </a:p>
         </p:txBody>
       </p:sp>
+      <p:cxnSp>
+        <p:nvCxnSpPr>
+          <p:cNvPr id="58" name="连接符: 曲线 3">
+            <a:extLst>
+              <a:ext uri="{FF2B5EF4-FFF2-40B4-BE49-F238E27FC236}">
+                <a16:creationId xmlns:a16="http://schemas.microsoft.com/office/drawing/2014/main" id="{FA00FAC8-F9D8-FA4B-8AAF-8773615E64A1}"/>
+              </a:ext>
+            </a:extLst>
+          </p:cNvPr>
+          <p:cNvCxnSpPr>
+            <a:cxnSpLocks/>
+            <a:stCxn id="38" idx="0"/>
+            <a:endCxn id="25" idx="0"/>
+          </p:cNvCxnSpPr>
+          <p:nvPr/>
+        </p:nvCxnSpPr>
+        <p:spPr>
+          <a:xfrm rot="16200000" flipH="1" flipV="1">
+            <a:off x="3242880" y="582529"/>
+            <a:ext cx="97698" cy="5069268"/>
+          </a:xfrm>
+          <a:prstGeom prst="curvedConnector3">
+            <a:avLst>
+              <a:gd name="adj1" fmla="val -1312358"/>
+            </a:avLst>
+          </a:prstGeom>
+          <a:ln>
+            <a:tailEnd type="triangle"/>
+          </a:ln>
+        </p:spPr>
+        <p:style>
+          <a:lnRef idx="1">
+            <a:schemeClr val="accent1"/>
+          </a:lnRef>
+          <a:fillRef idx="0">
+            <a:schemeClr val="accent1"/>
+          </a:fillRef>
+          <a:effectRef idx="0">
+            <a:schemeClr val="accent1"/>
+          </a:effectRef>
+          <a:fontRef idx="minor">
+            <a:schemeClr val="tx1"/>
+          </a:fontRef>
+        </p:style>
+      </p:cxnSp>
+      <p:sp>
+        <p:nvSpPr>
+          <p:cNvPr id="59" name="文本框 58">
+            <a:extLst>
+              <a:ext uri="{FF2B5EF4-FFF2-40B4-BE49-F238E27FC236}">
+                <a16:creationId xmlns:a16="http://schemas.microsoft.com/office/drawing/2014/main" id="{890D720C-6D70-4C49-9185-D6F5F6C7D806}"/>
+              </a:ext>
+            </a:extLst>
+          </p:cNvPr>
+          <p:cNvSpPr txBox="1"/>
+          <p:nvPr/>
+        </p:nvSpPr>
+        <p:spPr>
+          <a:xfrm>
+            <a:off x="2196227" y="1718799"/>
+            <a:ext cx="611065" cy="261610"/>
+          </a:xfrm>
+          <a:prstGeom prst="rect">
+            <a:avLst/>
+          </a:prstGeom>
+          <a:noFill/>
+        </p:spPr>
+        <p:txBody>
+          <a:bodyPr wrap="none" rtlCol="0">
+            <a:spAutoFit/>
+          </a:bodyPr>
+          <a:lstStyle/>
+          <a:p>
+            <a:r>
+              <a:rPr lang="en-US" altLang="zh-CN" sz="1100" dirty="0"/>
+              <a:t>Service</a:t>
+            </a:r>
+            <a:endParaRPr lang="zh-CN" altLang="en-US" sz="1100" dirty="0"/>
+          </a:p>
+        </p:txBody>
+      </p:sp>
     </p:spTree>
     <p:extLst>
       <p:ext uri="{BB962C8B-B14F-4D97-AF65-F5344CB8AC3E}">
